--- a/slide_deck.pptx
+++ b/slide_deck.pptx
@@ -109,6 +109,11 @@
       </a:defRPr>
     </a:lvl9pPr>
   </p:defaultTextStyle>
+  <p:extLst>
+    <p:ext uri="{EFAFB233-063F-42B5-8137-9DF3F51BA10A}">
+      <p15:sldGuideLst xmlns:p15="http://schemas.microsoft.com/office/powerpoint/2012/main"/>
+    </p:ext>
+  </p:extLst>
 </p:presentation>
 </file>
 
@@ -4202,27 +4207,79 @@
         </p:nvSpPr>
         <p:spPr/>
         <p:txBody>
-          <a:bodyPr/>
-          <a:lstStyle/>
-          <a:p>
+          <a:bodyPr>
+            <a:normAutofit fontScale="92500" lnSpcReduction="20000"/>
+          </a:bodyPr>
+          <a:lstStyle/>
+          <a:p>
+            <a:r>
+              <a:rPr lang="en-US" dirty="0"/>
+              <a:t>Network inference: </a:t>
+            </a:r>
+          </a:p>
+          <a:p>
+            <a:pPr marL="0" indent="0">
+              <a:buNone/>
+            </a:pPr>
+            <a:r>
+              <a:rPr lang="en-US" dirty="0"/>
+              <a:t>Check which genes embeddings shift when knock-out genes of interest</a:t>
+            </a:r>
+          </a:p>
+          <a:p>
+            <a:pPr marL="0" indent="0">
+              <a:buNone/>
+            </a:pPr>
+            <a:r>
+              <a:rPr lang="en-US" dirty="0"/>
+              <a:t>Check gene network relationships in </a:t>
+            </a:r>
+            <a:r>
+              <a:rPr lang="en-US"/>
+              <a:t>attention weights</a:t>
+            </a:r>
+            <a:endParaRPr lang="en-US" dirty="0"/>
+          </a:p>
+          <a:p>
+            <a:endParaRPr lang="en-US" dirty="0"/>
+          </a:p>
+          <a:p>
+            <a:r>
+              <a:rPr lang="en-US" dirty="0"/>
+              <a:t>All genes:</a:t>
+            </a:r>
+          </a:p>
+          <a:p>
+            <a:pPr marL="0" indent="0">
+              <a:buNone/>
+            </a:pPr>
             <a:r>
               <a:rPr lang="en-US" dirty="0"/>
               <a:t>Simulate deletion of all genes for one TSK and compare and check which gene shifts embeddings more from TSK to healthy keratinocyte.</a:t>
             </a:r>
           </a:p>
           <a:p>
+            <a:pPr marL="0" indent="0">
+              <a:buNone/>
+            </a:pPr>
+            <a:r>
+              <a:rPr lang="en-US" dirty="0"/>
+              <a:t>For shifting genes, perform co-analysis.</a:t>
+            </a:r>
+          </a:p>
+          <a:p>
             <a:endParaRPr lang="en-US" dirty="0"/>
           </a:p>
           <a:p>
             <a:r>
               <a:rPr lang="en-US" dirty="0"/>
-              <a:t>For shifting genes, perform co-analysis</a:t>
-            </a:r>
-          </a:p>
-          <a:p>
-            <a:endParaRPr lang="en-US" dirty="0"/>
-          </a:p>
-          <a:p>
+              <a:t>All patients:</a:t>
+            </a:r>
+          </a:p>
+          <a:p>
+            <a:pPr marL="0" indent="0">
+              <a:buNone/>
+            </a:pPr>
             <a:r>
               <a:rPr lang="en-US" dirty="0" err="1"/>
               <a:t>Analyse</a:t>

--- a/slide_deck.pptx
+++ b/slide_deck.pptx
@@ -4232,13 +4232,8 @@
             </a:pPr>
             <a:r>
               <a:rPr lang="en-US" dirty="0"/>
-              <a:t>Check gene network relationships in </a:t>
-            </a:r>
-            <a:r>
-              <a:rPr lang="en-US"/>
-              <a:t>attention weights</a:t>
-            </a:r>
-            <a:endParaRPr lang="en-US" dirty="0"/>
+              <a:t>Check gene network relationships in attention weights</a:t>
+            </a:r>
           </a:p>
           <a:p>
             <a:endParaRPr lang="en-US" dirty="0"/>
